--- a/documentation/HMIFinalPresentation.pptx
+++ b/documentation/HMIFinalPresentation.pptx
@@ -4449,7 +4449,7 @@
           <a:stretch/>
         </p:blipFill>
         <p:spPr bwMode="auto">
-          <a:xfrm rot="5399977" flipH="0" flipV="0">
+          <a:xfrm rot="5399976" flipH="0" flipV="0">
             <a:off x="3750203" y="4206874"/>
             <a:ext cx="1660524" cy="1660524"/>
           </a:xfrm>
@@ -4787,7 +4787,7 @@
           <p:nvPr/>
         </p:nvSpPr>
         <p:spPr bwMode="auto">
-          <a:xfrm rot="14007098" flipH="0" flipV="0">
+          <a:xfrm rot="14007097" flipH="0" flipV="0">
             <a:off x="7733500" y="3051587"/>
             <a:ext cx="1149889" cy="408015"/>
           </a:xfrm>
@@ -5058,7 +5058,9 @@
         </p:nvSpPr>
         <p:spPr bwMode="auto"/>
         <p:txBody>
-          <a:bodyPr/>
+          <a:bodyPr vertOverflow="overflow" horzOverflow="overflow" vert="horz" wrap="square" lIns="91440" tIns="45720" rIns="91440" bIns="45720" numCol="1" spcCol="0" rtlCol="0" fromWordArt="0" anchor="t" anchorCtr="0" forceAA="0" upright="0" compatLnSpc="0">
+            <a:normAutofit fontScale="95000" lnSpcReduction="1000"/>
+          </a:bodyPr>
           <a:lstStyle/>
           <a:p>
             <a:pPr>
@@ -5117,6 +5119,16 @@
             <a:r>
               <a:rPr/>
               <a:t>Gorilla web toolkit</a:t>
+            </a:r>
+            <a:endParaRPr/>
+          </a:p>
+          <a:p>
+            <a:pPr>
+              <a:defRPr/>
+            </a:pPr>
+            <a:r>
+              <a:rPr/>
+              <a:t>Interpreter design pattern</a:t>
             </a:r>
             <a:endParaRPr/>
           </a:p>

--- a/documentation/HMIFinalPresentation.pptx
+++ b/documentation/HMIFinalPresentation.pptx
@@ -5,7 +5,7 @@
     <p:sldMasterId id="2147483648" r:id="rId1"/>
   </p:sldMasterIdLst>
   <p:notesMasterIdLst>
-    <p:notesMasterId r:id="rId10"/>
+    <p:notesMasterId r:id="rId9"/>
   </p:notesMasterIdLst>
   <p:sldIdLst>
     <p:sldId id="256" r:id="rId4"/>
@@ -13,7 +13,6 @@
     <p:sldId id="258" r:id="rId6"/>
     <p:sldId id="259" r:id="rId7"/>
     <p:sldId id="260" r:id="rId8"/>
-    <p:sldId id="261" r:id="rId9"/>
   </p:sldIdLst>
   <p:sldSz cx="12192000" cy="6858000"/>
   <p:notesSz cx="12192000" cy="6858000"/>
@@ -668,7 +667,7 @@
             <a:pPr>
               <a:defRPr/>
             </a:pPr>
-            <a:fld id="{C6014B20-2DDC-6075-5A51-3F503F64F4A3}" type="slidenum">
+            <a:fld id="{356D8A79-7E60-4799-D3FC-12CCD0DD6568}" type="slidenum">
               <a:rPr/>
               <a:t/>
             </a:fld>
@@ -750,7 +749,7 @@
             <a:pPr>
               <a:defRPr/>
             </a:pPr>
-            <a:fld id="{356D8A79-7E60-4799-D3FC-12CCD0DD6568}" type="slidenum">
+            <a:fld id="{7DA3FDEE-DEF5-CA3E-6FCF-E5E563DACFAE}" type="slidenum">
               <a:rPr/>
               <a:t/>
             </a:fld>
@@ -764,88 +763,6 @@
 </file>
 
 <file path=ppt/notesSlides/notesSlide5.xml><?xml version="1.0" encoding="utf-8"?>
-<p:notes xmlns:a="http://schemas.openxmlformats.org/drawingml/2006/main" xmlns:r="http://schemas.openxmlformats.org/officeDocument/2006/relationships" xmlns:p="http://schemas.openxmlformats.org/presentationml/2006/main" xmlns:m="http://schemas.openxmlformats.org/officeDocument/2006/math" xmlns:w="http://schemas.openxmlformats.org/wordprocessingml/2006/main">
-  <p:cSld name="">
-    <p:spTree>
-      <p:nvGrpSpPr>
-        <p:cNvPr id="1" name=""/>
-        <p:cNvGrpSpPr/>
-        <p:nvPr/>
-      </p:nvGrpSpPr>
-      <p:grpSpPr bwMode="auto">
-        <a:xfrm>
-          <a:off x="0" y="0"/>
-          <a:ext cx="0" cy="0"/>
-          <a:chOff x="0" y="0"/>
-          <a:chExt cx="0" cy="0"/>
-        </a:xfrm>
-      </p:grpSpPr>
-      <p:sp>
-        <p:nvSpPr>
-          <p:cNvPr id="2" name="Slide Image Placeholder 1"/>
-          <p:cNvSpPr>
-            <a:spLocks noChangeAspect="1" noGrp="1" noRot="1"/>
-          </p:cNvSpPr>
-          <p:nvPr>
-            <p:ph type="sldImg"/>
-          </p:nvPr>
-        </p:nvSpPr>
-        <p:spPr bwMode="auto"/>
-      </p:sp>
-      <p:sp>
-        <p:nvSpPr>
-          <p:cNvPr id="3" name="Notes Placeholder 2"/>
-          <p:cNvSpPr>
-            <a:spLocks noGrp="1"/>
-          </p:cNvSpPr>
-          <p:nvPr>
-            <p:ph type="body" idx="1"/>
-          </p:nvPr>
-        </p:nvSpPr>
-        <p:spPr bwMode="auto"/>
-        <p:txBody>
-          <a:bodyPr/>
-          <a:lstStyle/>
-          <a:p>
-            <a:pPr>
-              <a:defRPr/>
-            </a:pPr>
-            <a:endParaRPr/>
-          </a:p>
-        </p:txBody>
-      </p:sp>
-      <p:sp>
-        <p:nvSpPr>
-          <p:cNvPr id="4" name="Slide Number Placeholder 3"/>
-          <p:cNvSpPr>
-            <a:spLocks noGrp="1"/>
-          </p:cNvSpPr>
-          <p:nvPr>
-            <p:ph type="sldNum" sz="quarter" idx="10"/>
-          </p:nvPr>
-        </p:nvSpPr>
-        <p:spPr bwMode="auto"/>
-        <p:txBody>
-          <a:bodyPr/>
-          <a:lstStyle/>
-          <a:p>
-            <a:pPr>
-              <a:defRPr/>
-            </a:pPr>
-            <a:fld id="{7DA3FDEE-DEF5-CA3E-6FCF-E5E563DACFAE}" type="slidenum">
-              <a:rPr/>
-              <a:t/>
-            </a:fld>
-            <a:endParaRPr/>
-          </a:p>
-        </p:txBody>
-      </p:sp>
-    </p:spTree>
-  </p:cSld>
-</p:notes>
-</file>
-
-<file path=ppt/notesSlides/notesSlide6.xml><?xml version="1.0" encoding="utf-8"?>
 <p:notes xmlns:a="http://schemas.openxmlformats.org/drawingml/2006/main" xmlns:r="http://schemas.openxmlformats.org/officeDocument/2006/relationships" xmlns:p="http://schemas.openxmlformats.org/presentationml/2006/main" xmlns:m="http://schemas.openxmlformats.org/officeDocument/2006/math" xmlns:w="http://schemas.openxmlformats.org/wordprocessingml/2006/main">
   <p:cSld name="">
     <p:spTree>
@@ -4787,7 +4704,7 @@
           <p:nvPr/>
         </p:nvSpPr>
         <p:spPr bwMode="auto">
-          <a:xfrm rot="14007097" flipH="0" flipV="0">
+          <a:xfrm rot="14007096" flipH="0" flipV="0">
             <a:off x="7733500" y="3051587"/>
             <a:ext cx="1149889" cy="408015"/>
           </a:xfrm>
@@ -5004,169 +4921,6 @@
 </file>
 
 <file path=ppt/slides/slide3.xml><?xml version="1.0" encoding="utf-8"?>
-<p:sld xmlns:a="http://schemas.openxmlformats.org/drawingml/2006/main" xmlns:r="http://schemas.openxmlformats.org/officeDocument/2006/relationships" xmlns:p="http://schemas.openxmlformats.org/presentationml/2006/main" xmlns:m="http://schemas.openxmlformats.org/officeDocument/2006/math" xmlns:w="http://schemas.openxmlformats.org/wordprocessingml/2006/main" showMasterPhAnim="0" show="1">
-  <p:cSld name="">
-    <p:spTree>
-      <p:nvGrpSpPr>
-        <p:cNvPr id="1" name=""/>
-        <p:cNvGrpSpPr/>
-        <p:nvPr/>
-      </p:nvGrpSpPr>
-      <p:grpSpPr bwMode="auto">
-        <a:xfrm>
-          <a:off x="0" y="0"/>
-          <a:ext cx="0" cy="0"/>
-          <a:chOff x="0" y="0"/>
-          <a:chExt cx="0" cy="0"/>
-        </a:xfrm>
-      </p:grpSpPr>
-      <p:sp>
-        <p:nvSpPr>
-          <p:cNvPr id="1505689549" name="Title 1"/>
-          <p:cNvSpPr>
-            <a:spLocks noGrp="1"/>
-          </p:cNvSpPr>
-          <p:nvPr>
-            <p:ph type="title"/>
-          </p:nvPr>
-        </p:nvSpPr>
-        <p:spPr bwMode="auto"/>
-        <p:txBody>
-          <a:bodyPr/>
-          <a:lstStyle/>
-          <a:p>
-            <a:pPr>
-              <a:defRPr/>
-            </a:pPr>
-            <a:r>
-              <a:rPr/>
-              <a:t>Included techniques and libraries</a:t>
-            </a:r>
-            <a:endParaRPr/>
-          </a:p>
-        </p:txBody>
-      </p:sp>
-      <p:sp>
-        <p:nvSpPr>
-          <p:cNvPr id="2060028857" name="Content Placeholder 2"/>
-          <p:cNvSpPr>
-            <a:spLocks noGrp="1"/>
-          </p:cNvSpPr>
-          <p:nvPr>
-            <p:ph idx="1"/>
-          </p:nvPr>
-        </p:nvSpPr>
-        <p:spPr bwMode="auto"/>
-        <p:txBody>
-          <a:bodyPr vertOverflow="overflow" horzOverflow="overflow" vert="horz" wrap="square" lIns="91440" tIns="45720" rIns="91440" bIns="45720" numCol="1" spcCol="0" rtlCol="0" fromWordArt="0" anchor="t" anchorCtr="0" forceAA="0" upright="0" compatLnSpc="0">
-            <a:normAutofit fontScale="95000" lnSpcReduction="1000"/>
-          </a:bodyPr>
-          <a:lstStyle/>
-          <a:p>
-            <a:pPr>
-              <a:defRPr/>
-            </a:pPr>
-            <a:r>
-              <a:rPr/>
-              <a:t>SBERT sentence transformer</a:t>
-            </a:r>
-            <a:endParaRPr/>
-          </a:p>
-          <a:p>
-            <a:pPr>
-              <a:defRPr/>
-            </a:pPr>
-            <a:r>
-              <a:rPr/>
-              <a:t>SBERT cross encoder</a:t>
-            </a:r>
-            <a:endParaRPr/>
-          </a:p>
-          <a:p>
-            <a:pPr>
-              <a:defRPr/>
-            </a:pPr>
-            <a:r>
-              <a:rPr/>
-              <a:t>Levenshtein distance calculation</a:t>
-            </a:r>
-            <a:endParaRPr/>
-          </a:p>
-          <a:p>
-            <a:pPr>
-              <a:defRPr/>
-            </a:pPr>
-            <a:r>
-              <a:rPr/>
-              <a:t>SQL</a:t>
-            </a:r>
-            <a:endParaRPr/>
-          </a:p>
-          <a:p>
-            <a:pPr>
-              <a:defRPr/>
-            </a:pPr>
-            <a:r>
-              <a:rPr/>
-              <a:t>Apache PDFBox</a:t>
-            </a:r>
-            <a:endParaRPr/>
-          </a:p>
-          <a:p>
-            <a:pPr>
-              <a:defRPr/>
-            </a:pPr>
-            <a:r>
-              <a:rPr/>
-              <a:t>Gorilla web toolkit</a:t>
-            </a:r>
-            <a:endParaRPr/>
-          </a:p>
-          <a:p>
-            <a:pPr>
-              <a:defRPr/>
-            </a:pPr>
-            <a:r>
-              <a:rPr/>
-              <a:t>Interpreter design pattern</a:t>
-            </a:r>
-            <a:endParaRPr/>
-          </a:p>
-          <a:p>
-            <a:pPr>
-              <a:defRPr/>
-            </a:pPr>
-            <a:r>
-              <a:rPr/>
-              <a:t>Containerization/Microservices</a:t>
-            </a:r>
-            <a:endParaRPr/>
-          </a:p>
-          <a:p>
-            <a:pPr>
-              <a:defRPr/>
-            </a:pPr>
-            <a:endParaRPr/>
-          </a:p>
-        </p:txBody>
-      </p:sp>
-    </p:spTree>
-  </p:cSld>
-  <p:clrMapOvr>
-    <a:masterClrMapping/>
-  </p:clrMapOvr>
-  <mc:AlternateContent xmlns:mc="http://schemas.openxmlformats.org/markup-compatibility/2006">
-    <mc:Choice xmlns:p159="http://schemas.microsoft.com/office/powerpoint/2015/09/main" xmlns:p14="http://schemas.microsoft.com/office/powerpoint/2010/main" Requires="p159">
-      <p:transition p14:dur="2000" advClick="1"/>
-    </mc:Choice>
-    <mc:Fallback>
-      <p:transition advClick="1"/>
-    </mc:Fallback>
-  </mc:AlternateContent>
-</p:sld>
-</file>
-
-<file path=ppt/slides/slide4.xml><?xml version="1.0" encoding="utf-8"?>
 <p:sld xmlns:a="http://schemas.openxmlformats.org/drawingml/2006/main" xmlns:r="http://schemas.openxmlformats.org/officeDocument/2006/relationships" xmlns:p="http://schemas.openxmlformats.org/presentationml/2006/main" xmlns:m="http://schemas.openxmlformats.org/officeDocument/2006/math" xmlns:w="http://schemas.openxmlformats.org/wordprocessingml/2006/main" showMasterPhAnim="0" show="1">
   <p:cSld name="">
     <p:spTree>
@@ -5661,7 +5415,7 @@
 </p:sld>
 </file>
 
-<file path=ppt/slides/slide5.xml><?xml version="1.0" encoding="utf-8"?>
+<file path=ppt/slides/slide4.xml><?xml version="1.0" encoding="utf-8"?>
 <p:sld xmlns:a="http://schemas.openxmlformats.org/drawingml/2006/main" xmlns:r="http://schemas.openxmlformats.org/officeDocument/2006/relationships" xmlns:p="http://schemas.openxmlformats.org/presentationml/2006/main" xmlns:m="http://schemas.openxmlformats.org/officeDocument/2006/math" xmlns:w="http://schemas.openxmlformats.org/wordprocessingml/2006/main" showMasterPhAnim="0" show="1">
   <p:cSld name="">
     <p:spTree>
@@ -5793,7 +5547,7 @@
 </p:sld>
 </file>
 
-<file path=ppt/slides/slide6.xml><?xml version="1.0" encoding="utf-8"?>
+<file path=ppt/slides/slide5.xml><?xml version="1.0" encoding="utf-8"?>
 <p:sld xmlns:a="http://schemas.openxmlformats.org/drawingml/2006/main" xmlns:r="http://schemas.openxmlformats.org/officeDocument/2006/relationships" xmlns:p="http://schemas.openxmlformats.org/presentationml/2006/main" xmlns:m="http://schemas.openxmlformats.org/officeDocument/2006/math" xmlns:w="http://schemas.openxmlformats.org/wordprocessingml/2006/main" showMasterPhAnim="0" show="1">
   <p:cSld name="">
     <p:spTree>
